--- a/Docs/4.0Clusters.pptx
+++ b/Docs/4.0Clusters.pptx
@@ -9,8 +9,6 @@
     <p:sldId id="271" r:id="rId3"/>
     <p:sldId id="273" r:id="rId4"/>
     <p:sldId id="275" r:id="rId5"/>
-    <p:sldId id="277" r:id="rId6"/>
-    <p:sldId id="278" r:id="rId7"/>
   </p:sldIdLst>
   <p:sldSz cx="9144000" cy="5143500" type="screen16x9"/>
   <p:notesSz cx="7772400" cy="10058400"/>
@@ -2491,6 +2489,35 @@
           </a:p>
           <a:p>
             <a:pPr marL="990720" lvl="1" indent="-455040">
+              <a:spcBef>
+                <a:spcPts val="499"/>
+              </a:spcBef>
+              <a:buClr>
+                <a:srgbClr val="000000"/>
+              </a:buClr>
+              <a:buFont typeface="Arial"/>
+              <a:buChar char="–"/>
+            </a:pPr>
+            <a:r>
+              <a:rPr lang="es-PE" sz="2800" spc="-1" dirty="0">
+                <a:solidFill>
+                  <a:srgbClr val="000000"/>
+                </a:solidFill>
+                <a:latin typeface="Calibri"/>
+                <a:ea typeface="DejaVu Sans"/>
+              </a:rPr>
+              <a:t>Eliminación de Columnas que no son considerados  Hábitos alimenticios o de condición física</a:t>
+            </a:r>
+            <a:endParaRPr lang="es-PE" sz="2800" b="0" strike="noStrike" spc="-1" dirty="0">
+              <a:solidFill>
+                <a:srgbClr val="000000"/>
+              </a:solidFill>
+              <a:latin typeface="Calibri"/>
+              <a:ea typeface="DejaVu Sans"/>
+            </a:endParaRPr>
+          </a:p>
+          <a:p>
+            <a:pPr marL="990720" lvl="1" indent="-455040">
               <a:lnSpc>
                 <a:spcPct val="100000"/>
               </a:lnSpc>
@@ -2783,8 +2810,8 @@
         </p:nvSpPr>
         <p:spPr>
           <a:xfrm>
-            <a:off x="425309" y="1857678"/>
-            <a:ext cx="4919897" cy="3291755"/>
+            <a:off x="499271" y="1649327"/>
+            <a:ext cx="3413824" cy="829543"/>
           </a:xfrm>
           <a:prstGeom prst="rect">
             <a:avLst/>
@@ -2864,396 +2891,6 @@
             </a:endParaRPr>
           </a:p>
           <a:p>
-            <a:pPr marL="342900" indent="-342900">
-              <a:lnSpc>
-                <a:spcPct val="100000"/>
-              </a:lnSpc>
-              <a:buFont typeface="+mj-lt"/>
-              <a:buAutoNum type="arabicPeriod"/>
-            </a:pPr>
-            <a:r>
-              <a:rPr lang="en-US" sz="1600" b="1" strike="noStrike" spc="-1" dirty="0" err="1">
-                <a:latin typeface="Arial"/>
-              </a:rPr>
-              <a:t>Consumo</a:t>
-            </a:r>
-            <a:r>
-              <a:rPr lang="en-US" sz="1600" b="1" strike="noStrike" spc="-1" dirty="0">
-                <a:latin typeface="Arial"/>
-              </a:rPr>
-              <a:t> de comida alto </a:t>
-            </a:r>
-            <a:r>
-              <a:rPr lang="en-US" sz="1600" b="1" strike="noStrike" spc="-1" dirty="0" err="1">
-                <a:latin typeface="Arial"/>
-              </a:rPr>
-              <a:t>en</a:t>
-            </a:r>
-            <a:r>
-              <a:rPr lang="en-US" sz="1600" b="1" strike="noStrike" spc="-1" dirty="0">
-                <a:latin typeface="Arial"/>
-              </a:rPr>
-              <a:t> </a:t>
-            </a:r>
-            <a:r>
-              <a:rPr lang="en-US" sz="1600" b="1" strike="noStrike" spc="-1" dirty="0" err="1">
-                <a:latin typeface="Arial"/>
-              </a:rPr>
-              <a:t>calorías</a:t>
-            </a:r>
-            <a:endParaRPr lang="en-US" sz="1600" b="1" strike="noStrike" spc="-1" dirty="0">
-              <a:latin typeface="Arial"/>
-            </a:endParaRPr>
-          </a:p>
-          <a:p>
-            <a:pPr marL="342900" indent="-342900">
-              <a:lnSpc>
-                <a:spcPct val="100000"/>
-              </a:lnSpc>
-              <a:buFont typeface="+mj-lt"/>
-              <a:buAutoNum type="arabicPeriod"/>
-            </a:pPr>
-            <a:r>
-              <a:rPr lang="en-US" sz="1600" b="1" strike="noStrike" spc="-1" dirty="0" err="1">
-                <a:latin typeface="Arial"/>
-              </a:rPr>
-              <a:t>Consumo</a:t>
-            </a:r>
-            <a:r>
-              <a:rPr lang="en-US" sz="1600" b="1" strike="noStrike" spc="-1" dirty="0">
-                <a:latin typeface="Arial"/>
-              </a:rPr>
-              <a:t> de </a:t>
-            </a:r>
-            <a:r>
-              <a:rPr lang="en-US" sz="1600" b="1" strike="noStrike" spc="-1" dirty="0" err="1">
-                <a:latin typeface="Arial"/>
-              </a:rPr>
-              <a:t>Vegetales</a:t>
-            </a:r>
-            <a:endParaRPr lang="en-US" sz="1600" b="1" strike="noStrike" spc="-1" dirty="0">
-              <a:latin typeface="Arial"/>
-            </a:endParaRPr>
-          </a:p>
-          <a:p>
-            <a:pPr marL="342900" indent="-342900">
-              <a:lnSpc>
-                <a:spcPct val="100000"/>
-              </a:lnSpc>
-              <a:buFont typeface="+mj-lt"/>
-              <a:buAutoNum type="arabicPeriod"/>
-            </a:pPr>
-            <a:r>
-              <a:rPr lang="en-US" sz="1600" b="1" strike="noStrike" spc="-1" dirty="0" err="1">
-                <a:latin typeface="Arial"/>
-              </a:rPr>
-              <a:t>Número</a:t>
-            </a:r>
-            <a:r>
-              <a:rPr lang="en-US" sz="1600" b="1" strike="noStrike" spc="-1" dirty="0">
-                <a:latin typeface="Arial"/>
-              </a:rPr>
-              <a:t> de </a:t>
-            </a:r>
-            <a:r>
-              <a:rPr lang="en-US" sz="1600" b="1" strike="noStrike" spc="-1" dirty="0" err="1">
-                <a:latin typeface="Arial"/>
-              </a:rPr>
-              <a:t>comidas</a:t>
-            </a:r>
-            <a:r>
-              <a:rPr lang="en-US" sz="1600" b="1" strike="noStrike" spc="-1" dirty="0">
-                <a:latin typeface="Arial"/>
-              </a:rPr>
-              <a:t> al </a:t>
-            </a:r>
-            <a:r>
-              <a:rPr lang="en-US" sz="1600" b="1" strike="noStrike" spc="-1" dirty="0" err="1">
-                <a:latin typeface="Arial"/>
-              </a:rPr>
-              <a:t>dia</a:t>
-            </a:r>
-            <a:endParaRPr lang="en-US" sz="1600" b="1" strike="noStrike" spc="-1" dirty="0">
-              <a:latin typeface="Arial"/>
-            </a:endParaRPr>
-          </a:p>
-          <a:p>
-            <a:pPr marL="342900" indent="-342900">
-              <a:lnSpc>
-                <a:spcPct val="100000"/>
-              </a:lnSpc>
-              <a:buFont typeface="+mj-lt"/>
-              <a:buAutoNum type="arabicPeriod"/>
-            </a:pPr>
-            <a:r>
-              <a:rPr lang="en-US" sz="1600" b="1" strike="noStrike" spc="-1" dirty="0" err="1">
-                <a:latin typeface="Arial"/>
-              </a:rPr>
-              <a:t>Consumo</a:t>
-            </a:r>
-            <a:r>
-              <a:rPr lang="en-US" sz="1600" b="1" strike="noStrike" spc="-1" dirty="0">
-                <a:latin typeface="Arial"/>
-              </a:rPr>
-              <a:t> de </a:t>
-            </a:r>
-            <a:r>
-              <a:rPr lang="en-US" sz="1600" b="1" strike="noStrike" spc="-1" dirty="0" err="1">
-                <a:latin typeface="Arial"/>
-              </a:rPr>
-              <a:t>alimentos</a:t>
-            </a:r>
-            <a:r>
-              <a:rPr lang="en-US" sz="1600" b="1" strike="noStrike" spc="-1" dirty="0">
-                <a:latin typeface="Arial"/>
-              </a:rPr>
-              <a:t> entre </a:t>
-            </a:r>
-            <a:r>
-              <a:rPr lang="en-US" sz="1600" b="1" strike="noStrike" spc="-1" dirty="0" err="1">
-                <a:latin typeface="Arial"/>
-              </a:rPr>
-              <a:t>comidas</a:t>
-            </a:r>
-            <a:endParaRPr lang="en-US" sz="1600" b="1" strike="noStrike" spc="-1" dirty="0">
-              <a:latin typeface="Arial"/>
-            </a:endParaRPr>
-          </a:p>
-          <a:p>
-            <a:pPr marL="342900" indent="-342900">
-              <a:lnSpc>
-                <a:spcPct val="100000"/>
-              </a:lnSpc>
-              <a:buFont typeface="+mj-lt"/>
-              <a:buAutoNum type="arabicPeriod"/>
-            </a:pPr>
-            <a:r>
-              <a:rPr lang="en-US" sz="1600" b="1" strike="noStrike" spc="-1" dirty="0">
-                <a:latin typeface="Arial"/>
-              </a:rPr>
-              <a:t>Si persona </a:t>
-            </a:r>
-            <a:r>
-              <a:rPr lang="en-US" sz="1600" b="1" strike="noStrike" spc="-1" dirty="0" err="1">
-                <a:latin typeface="Arial"/>
-              </a:rPr>
-              <a:t>fuma</a:t>
-            </a:r>
-            <a:r>
-              <a:rPr lang="en-US" sz="1600" b="1" strike="noStrike" spc="-1" dirty="0">
-                <a:latin typeface="Arial"/>
-              </a:rPr>
-              <a:t> o no</a:t>
-            </a:r>
-          </a:p>
-          <a:p>
-            <a:pPr marL="342900" indent="-342900">
-              <a:lnSpc>
-                <a:spcPct val="100000"/>
-              </a:lnSpc>
-              <a:buFont typeface="+mj-lt"/>
-              <a:buAutoNum type="arabicPeriod"/>
-            </a:pPr>
-            <a:r>
-              <a:rPr lang="en-US" sz="1600" b="1" strike="noStrike" spc="-1" dirty="0" err="1">
-                <a:latin typeface="Arial"/>
-              </a:rPr>
-              <a:t>Monitorea</a:t>
-            </a:r>
-            <a:r>
-              <a:rPr lang="en-US" sz="1600" b="1" strike="noStrike" spc="-1" dirty="0">
-                <a:latin typeface="Arial"/>
-              </a:rPr>
-              <a:t> </a:t>
-            </a:r>
-            <a:r>
-              <a:rPr lang="en-US" sz="1600" b="1" strike="noStrike" spc="-1" dirty="0" err="1">
-                <a:latin typeface="Arial"/>
-              </a:rPr>
-              <a:t>el</a:t>
-            </a:r>
-            <a:r>
-              <a:rPr lang="en-US" sz="1600" b="1" strike="noStrike" spc="-1" dirty="0">
-                <a:latin typeface="Arial"/>
-              </a:rPr>
-              <a:t> </a:t>
-            </a:r>
-            <a:r>
-              <a:rPr lang="en-US" sz="1600" b="1" strike="noStrike" spc="-1" dirty="0" err="1">
-                <a:latin typeface="Arial"/>
-              </a:rPr>
-              <a:t>consumo</a:t>
-            </a:r>
-            <a:r>
-              <a:rPr lang="en-US" sz="1600" b="1" strike="noStrike" spc="-1" dirty="0">
-                <a:latin typeface="Arial"/>
-              </a:rPr>
-              <a:t> de </a:t>
-            </a:r>
-            <a:r>
-              <a:rPr lang="en-US" sz="1600" b="1" strike="noStrike" spc="-1" dirty="0" err="1">
-                <a:latin typeface="Arial"/>
-              </a:rPr>
-              <a:t>calorías</a:t>
-            </a:r>
-            <a:endParaRPr lang="en-US" sz="1600" b="1" strike="noStrike" spc="-1" dirty="0">
-              <a:latin typeface="Arial"/>
-            </a:endParaRPr>
-          </a:p>
-          <a:p>
-            <a:pPr marL="342900" indent="-342900">
-              <a:lnSpc>
-                <a:spcPct val="100000"/>
-              </a:lnSpc>
-              <a:buFont typeface="+mj-lt"/>
-              <a:buAutoNum type="arabicPeriod"/>
-            </a:pPr>
-            <a:r>
-              <a:rPr lang="en-US" sz="1600" b="1" strike="noStrike" spc="-1" dirty="0" err="1">
-                <a:latin typeface="Arial"/>
-              </a:rPr>
-              <a:t>Frecuencia</a:t>
-            </a:r>
-            <a:r>
-              <a:rPr lang="en-US" sz="1600" b="1" strike="noStrike" spc="-1" dirty="0">
-                <a:latin typeface="Arial"/>
-              </a:rPr>
-              <a:t> de </a:t>
-            </a:r>
-            <a:r>
-              <a:rPr lang="en-US" sz="1600" b="1" strike="noStrike" spc="-1" dirty="0" err="1">
-                <a:latin typeface="Arial"/>
-              </a:rPr>
-              <a:t>actividad</a:t>
-            </a:r>
-            <a:r>
-              <a:rPr lang="en-US" sz="1600" b="1" strike="noStrike" spc="-1" dirty="0">
-                <a:latin typeface="Arial"/>
-              </a:rPr>
-              <a:t> </a:t>
-            </a:r>
-            <a:r>
-              <a:rPr lang="en-US" sz="1600" b="1" strike="noStrike" spc="-1" dirty="0" err="1">
-                <a:latin typeface="Arial"/>
-              </a:rPr>
-              <a:t>fisica</a:t>
-            </a:r>
-            <a:endParaRPr lang="en-US" sz="1600" b="1" strike="noStrike" spc="-1" dirty="0">
-              <a:latin typeface="Arial"/>
-            </a:endParaRPr>
-          </a:p>
-          <a:p>
-            <a:pPr marL="342900" indent="-342900">
-              <a:lnSpc>
-                <a:spcPct val="100000"/>
-              </a:lnSpc>
-              <a:buFont typeface="+mj-lt"/>
-              <a:buAutoNum type="arabicPeriod"/>
-            </a:pPr>
-            <a:r>
-              <a:rPr lang="en-US" sz="1600" b="1" strike="noStrike" spc="-1" dirty="0" err="1">
-                <a:latin typeface="Arial"/>
-              </a:rPr>
-              <a:t>Tiempo</a:t>
-            </a:r>
-            <a:r>
-              <a:rPr lang="en-US" sz="1600" b="1" strike="noStrike" spc="-1" dirty="0">
-                <a:latin typeface="Arial"/>
-              </a:rPr>
-              <a:t> de </a:t>
-            </a:r>
-            <a:r>
-              <a:rPr lang="en-US" sz="1600" b="1" strike="noStrike" spc="-1" dirty="0" err="1">
-                <a:latin typeface="Arial"/>
-              </a:rPr>
-              <a:t>usado</a:t>
-            </a:r>
-            <a:r>
-              <a:rPr lang="en-US" sz="1600" b="1" strike="noStrike" spc="-1" dirty="0">
-                <a:latin typeface="Arial"/>
-              </a:rPr>
-              <a:t> de </a:t>
-            </a:r>
-            <a:r>
-              <a:rPr lang="en-US" sz="1600" b="1" strike="noStrike" spc="-1" dirty="0" err="1">
-                <a:latin typeface="Arial"/>
-              </a:rPr>
-              <a:t>dispositivos</a:t>
-            </a:r>
-            <a:r>
-              <a:rPr lang="en-US" sz="1600" b="1" strike="noStrike" spc="-1" dirty="0">
-                <a:latin typeface="Arial"/>
-              </a:rPr>
-              <a:t> de </a:t>
-            </a:r>
-            <a:r>
-              <a:rPr lang="en-US" sz="1600" b="1" strike="noStrike" spc="-1" dirty="0" err="1">
-                <a:latin typeface="Arial"/>
-              </a:rPr>
-              <a:t>tecnología</a:t>
-            </a:r>
-            <a:endParaRPr lang="en-US" sz="1600" b="1" strike="noStrike" spc="-1" dirty="0">
-              <a:latin typeface="Arial"/>
-            </a:endParaRPr>
-          </a:p>
-          <a:p>
-            <a:pPr marL="342900" indent="-342900">
-              <a:lnSpc>
-                <a:spcPct val="100000"/>
-              </a:lnSpc>
-              <a:buFont typeface="+mj-lt"/>
-              <a:buAutoNum type="arabicPeriod"/>
-            </a:pPr>
-            <a:r>
-              <a:rPr lang="en-US" sz="1600" b="1" strike="noStrike" spc="-1" dirty="0" err="1">
-                <a:latin typeface="Arial"/>
-              </a:rPr>
-              <a:t>Consumo</a:t>
-            </a:r>
-            <a:r>
-              <a:rPr lang="en-US" sz="1600" b="1" strike="noStrike" spc="-1" dirty="0">
-                <a:latin typeface="Arial"/>
-              </a:rPr>
-              <a:t> de Alcohol</a:t>
-            </a:r>
-          </a:p>
-          <a:p>
-            <a:pPr marL="342900" indent="-342900">
-              <a:lnSpc>
-                <a:spcPct val="100000"/>
-              </a:lnSpc>
-              <a:buFont typeface="+mj-lt"/>
-              <a:buAutoNum type="arabicPeriod"/>
-            </a:pPr>
-            <a:r>
-              <a:rPr lang="en-US" sz="1600" b="1" strike="noStrike" spc="-1" dirty="0">
-                <a:latin typeface="Arial"/>
-              </a:rPr>
-              <a:t>Medio de </a:t>
-            </a:r>
-            <a:r>
-              <a:rPr lang="en-US" sz="1600" b="1" strike="noStrike" spc="-1" dirty="0" err="1">
-                <a:latin typeface="Arial"/>
-              </a:rPr>
-              <a:t>transporte</a:t>
-            </a:r>
-            <a:r>
-              <a:rPr lang="en-US" sz="1600" b="1" strike="noStrike" spc="-1" dirty="0">
-                <a:latin typeface="Arial"/>
-              </a:rPr>
-              <a:t> </a:t>
-            </a:r>
-            <a:r>
-              <a:rPr lang="en-US" sz="1600" b="1" strike="noStrike" spc="-1" dirty="0" err="1">
-                <a:latin typeface="Arial"/>
-              </a:rPr>
-              <a:t>usado</a:t>
-            </a:r>
-            <a:endParaRPr lang="en-US" sz="1600" b="1" strike="noStrike" spc="-1" dirty="0">
-              <a:latin typeface="Arial"/>
-            </a:endParaRPr>
-          </a:p>
-          <a:p>
             <a:pPr>
               <a:lnSpc>
                 <a:spcPct val="100000"/>
@@ -3267,34 +2904,219 @@
       </p:sp>
       <p:pic>
         <p:nvPicPr>
-          <p:cNvPr id="6" name="Imagen 5">
+          <p:cNvPr id="2050" name="Picture 2">
             <a:extLst>
               <a:ext uri="{FF2B5EF4-FFF2-40B4-BE49-F238E27FC236}">
-                <a16:creationId xmlns:a16="http://schemas.microsoft.com/office/drawing/2014/main" id="{2FC80034-D451-049A-513A-A78BC7AAA774}"/>
+                <a16:creationId xmlns:a16="http://schemas.microsoft.com/office/drawing/2014/main" id="{6D295BC7-DA39-718A-4BF0-D3DF6C9EF048}"/>
               </a:ext>
             </a:extLst>
           </p:cNvPr>
           <p:cNvPicPr>
-            <a:picLocks noChangeAspect="1"/>
+            <a:picLocks noChangeAspect="1" noChangeArrowheads="1"/>
           </p:cNvPicPr>
           <p:nvPr/>
         </p:nvPicPr>
         <p:blipFill>
-          <a:blip r:embed="rId2"/>
+          <a:blip r:embed="rId2">
+            <a:extLst>
+              <a:ext uri="{28A0092B-C50C-407E-A947-70E740481C1C}">
+                <a14:useLocalDpi xmlns:a14="http://schemas.microsoft.com/office/drawing/2010/main" val="0"/>
+              </a:ext>
+            </a:extLst>
+          </a:blip>
+          <a:srcRect/>
           <a:stretch>
             <a:fillRect/>
           </a:stretch>
         </p:blipFill>
-        <p:spPr>
-          <a:xfrm>
-            <a:off x="5440001" y="2094438"/>
-            <a:ext cx="3338464" cy="2177991"/>
-          </a:xfrm>
-          <a:prstGeom prst="rect">
-            <a:avLst/>
-          </a:prstGeom>
+        <p:spPr bwMode="auto">
+          <a:xfrm>
+            <a:off x="4259890" y="2180320"/>
+            <a:ext cx="4139270" cy="2241737"/>
+          </a:xfrm>
+          <a:prstGeom prst="rect">
+            <a:avLst/>
+          </a:prstGeom>
+          <a:noFill/>
+          <a:extLst>
+            <a:ext uri="{909E8E84-426E-40DD-AFC4-6F175D3DCCD1}">
+              <a14:hiddenFill xmlns:a14="http://schemas.microsoft.com/office/drawing/2010/main">
+                <a:solidFill>
+                  <a:srgbClr val="FFFFFF"/>
+                </a:solidFill>
+              </a14:hiddenFill>
+            </a:ext>
+          </a:extLst>
         </p:spPr>
       </p:pic>
+      <p:pic>
+        <p:nvPicPr>
+          <p:cNvPr id="2054" name="Picture 6">
+            <a:extLst>
+              <a:ext uri="{FF2B5EF4-FFF2-40B4-BE49-F238E27FC236}">
+                <a16:creationId xmlns:a16="http://schemas.microsoft.com/office/drawing/2014/main" id="{52056618-9353-A7A6-0D87-D0375A189F06}"/>
+              </a:ext>
+            </a:extLst>
+          </p:cNvPr>
+          <p:cNvPicPr>
+            <a:picLocks noChangeAspect="1" noChangeArrowheads="1"/>
+          </p:cNvPicPr>
+          <p:nvPr/>
+        </p:nvPicPr>
+        <p:blipFill>
+          <a:blip r:embed="rId3">
+            <a:extLst>
+              <a:ext uri="{28A0092B-C50C-407E-A947-70E740481C1C}">
+                <a14:useLocalDpi xmlns:a14="http://schemas.microsoft.com/office/drawing/2010/main" val="0"/>
+              </a:ext>
+            </a:extLst>
+          </a:blip>
+          <a:srcRect/>
+          <a:stretch>
+            <a:fillRect/>
+          </a:stretch>
+        </p:blipFill>
+        <p:spPr bwMode="auto">
+          <a:xfrm>
+            <a:off x="605983" y="2170225"/>
+            <a:ext cx="3200400" cy="2028825"/>
+          </a:xfrm>
+          <a:prstGeom prst="rect">
+            <a:avLst/>
+          </a:prstGeom>
+          <a:noFill/>
+          <a:extLst>
+            <a:ext uri="{909E8E84-426E-40DD-AFC4-6F175D3DCCD1}">
+              <a14:hiddenFill xmlns:a14="http://schemas.microsoft.com/office/drawing/2010/main">
+                <a:solidFill>
+                  <a:srgbClr val="FFFFFF"/>
+                </a:solidFill>
+              </a14:hiddenFill>
+            </a:ext>
+          </a:extLst>
+        </p:spPr>
+      </p:pic>
+      <p:sp>
+        <p:nvSpPr>
+          <p:cNvPr id="15" name="CustomShape 3">
+            <a:extLst>
+              <a:ext uri="{FF2B5EF4-FFF2-40B4-BE49-F238E27FC236}">
+                <a16:creationId xmlns:a16="http://schemas.microsoft.com/office/drawing/2014/main" id="{84B79DB8-574C-CE41-ACD5-9EC9B6DEA01A}"/>
+              </a:ext>
+            </a:extLst>
+          </p:cNvPr>
+          <p:cNvSpPr/>
+          <p:nvPr/>
+        </p:nvSpPr>
+        <p:spPr>
+          <a:xfrm>
+            <a:off x="4308882" y="1639449"/>
+            <a:ext cx="4919897" cy="829543"/>
+          </a:xfrm>
+          <a:prstGeom prst="rect">
+            <a:avLst/>
+          </a:prstGeom>
+          <a:noFill/>
+          <a:ln>
+            <a:noFill/>
+          </a:ln>
+        </p:spPr>
+        <p:style>
+          <a:lnRef idx="0">
+            <a:scrgbClr r="0" g="0" b="0"/>
+          </a:lnRef>
+          <a:fillRef idx="0">
+            <a:scrgbClr r="0" g="0" b="0"/>
+          </a:fillRef>
+          <a:effectRef idx="0">
+            <a:scrgbClr r="0" g="0" b="0"/>
+          </a:effectRef>
+          <a:fontRef idx="minor"/>
+        </p:style>
+        <p:txBody>
+          <a:bodyPr wrap="square" lIns="90000" tIns="45000" rIns="90000" bIns="45000">
+            <a:spAutoFit/>
+          </a:bodyPr>
+          <a:lstStyle/>
+          <a:p>
+            <a:pPr>
+              <a:lnSpc>
+                <a:spcPct val="100000"/>
+              </a:lnSpc>
+            </a:pPr>
+            <a:r>
+              <a:rPr lang="en-US" sz="1600" b="1" strike="noStrike" spc="-1" dirty="0" err="1">
+                <a:latin typeface="Arial"/>
+              </a:rPr>
+              <a:t>Relación</a:t>
+            </a:r>
+            <a:r>
+              <a:rPr lang="en-US" sz="1600" b="1" strike="noStrike" spc="-1" dirty="0">
+                <a:latin typeface="Arial"/>
+              </a:rPr>
+              <a:t> IMC con </a:t>
+            </a:r>
+            <a:r>
+              <a:rPr lang="en-US" sz="1600" b="1" strike="noStrike" spc="-1" dirty="0" err="1">
+                <a:latin typeface="Arial"/>
+              </a:rPr>
+              <a:t>Niveles</a:t>
+            </a:r>
+            <a:r>
+              <a:rPr lang="en-US" sz="1600" b="1" strike="noStrike" spc="-1" dirty="0">
+                <a:latin typeface="Arial"/>
+              </a:rPr>
+              <a:t> de </a:t>
+            </a:r>
+            <a:r>
+              <a:rPr lang="en-US" sz="1600" b="1" strike="noStrike" spc="-1" dirty="0" err="1">
+                <a:latin typeface="Arial"/>
+              </a:rPr>
+              <a:t>obesidad</a:t>
+            </a:r>
+            <a:r>
+              <a:rPr lang="en-US" sz="1600" b="1" strike="noStrike" spc="-1" dirty="0">
+                <a:latin typeface="Arial"/>
+              </a:rPr>
+              <a:t> y </a:t>
+            </a:r>
+            <a:r>
+              <a:rPr lang="en-US" sz="1600" b="1" strike="noStrike" spc="-1" dirty="0" err="1">
+                <a:latin typeface="Arial"/>
+              </a:rPr>
+              <a:t>Nuevos</a:t>
+            </a:r>
+            <a:r>
+              <a:rPr lang="en-US" sz="1600" b="1" strike="noStrike" spc="-1" dirty="0">
+                <a:latin typeface="Arial"/>
+              </a:rPr>
+              <a:t> </a:t>
+            </a:r>
+            <a:r>
+              <a:rPr lang="en-US" sz="1600" b="1" strike="noStrike" spc="-1" dirty="0" err="1">
+                <a:latin typeface="Arial"/>
+              </a:rPr>
+              <a:t>grupos</a:t>
+            </a:r>
+            <a:r>
+              <a:rPr lang="en-US" sz="1600" b="1" strike="noStrike" spc="-1" dirty="0">
+                <a:latin typeface="Arial"/>
+              </a:rPr>
+              <a:t> K-means</a:t>
+            </a:r>
+          </a:p>
+          <a:p>
+            <a:pPr>
+              <a:lnSpc>
+                <a:spcPct val="100000"/>
+              </a:lnSpc>
+            </a:pPr>
+            <a:endParaRPr lang="en-US" sz="1600" b="0" strike="noStrike" spc="-1" dirty="0">
+              <a:latin typeface="Arial"/>
+            </a:endParaRPr>
+          </a:p>
+        </p:txBody>
+      </p:sp>
     </p:spTree>
   </p:cSld>
   <p:clrMapOvr>
@@ -3383,10 +3205,10 @@
       </p:sp>
       <p:pic>
         <p:nvPicPr>
-          <p:cNvPr id="6" name="Imagen 5">
+          <p:cNvPr id="11" name="Imagen 10">
             <a:extLst>
               <a:ext uri="{FF2B5EF4-FFF2-40B4-BE49-F238E27FC236}">
-                <a16:creationId xmlns:a16="http://schemas.microsoft.com/office/drawing/2014/main" id="{A494D1F3-7997-9D79-18E7-6BCC11345FEB}"/>
+                <a16:creationId xmlns:a16="http://schemas.microsoft.com/office/drawing/2014/main" id="{A8717251-36CE-F8E4-85FE-3A3504FC1347}"/>
               </a:ext>
             </a:extLst>
           </p:cNvPr>
@@ -3403,7 +3225,7 @@
         </p:blipFill>
         <p:spPr>
           <a:xfrm>
-            <a:off x="1927912" y="1911164"/>
+            <a:off x="1854854" y="2059081"/>
             <a:ext cx="5057775" cy="2114550"/>
           </a:xfrm>
           <a:prstGeom prst="rect">
@@ -3411,328 +3233,6 @@
           </a:prstGeom>
         </p:spPr>
       </p:pic>
-    </p:spTree>
-  </p:cSld>
-  <p:clrMapOvr>
-    <a:masterClrMapping/>
-  </p:clrMapOvr>
-</p:sld>
-</file>
-
-<file path=ppt/slides/slide5.xml><?xml version="1.0" encoding="utf-8"?>
-<p:sld xmlns:a="http://schemas.openxmlformats.org/drawingml/2006/main" xmlns:r="http://schemas.openxmlformats.org/officeDocument/2006/relationships" xmlns:p="http://schemas.openxmlformats.org/presentationml/2006/main">
-  <p:cSld>
-    <p:spTree>
-      <p:nvGrpSpPr>
-        <p:cNvPr id="1" name=""/>
-        <p:cNvGrpSpPr/>
-        <p:nvPr/>
-      </p:nvGrpSpPr>
-      <p:grpSpPr>
-        <a:xfrm>
-          <a:off x="0" y="0"/>
-          <a:ext cx="0" cy="0"/>
-          <a:chOff x="0" y="0"/>
-          <a:chExt cx="0" cy="0"/>
-        </a:xfrm>
-      </p:grpSpPr>
-      <p:sp>
-        <p:nvSpPr>
-          <p:cNvPr id="175" name="CustomShape 1"/>
-          <p:cNvSpPr/>
-          <p:nvPr/>
-        </p:nvSpPr>
-        <p:spPr>
-          <a:xfrm>
-            <a:off x="514440" y="644760"/>
-            <a:ext cx="7884720" cy="992160"/>
-          </a:xfrm>
-          <a:prstGeom prst="rect">
-            <a:avLst/>
-          </a:prstGeom>
-          <a:noFill/>
-          <a:ln>
-            <a:noFill/>
-          </a:ln>
-        </p:spPr>
-        <p:style>
-          <a:lnRef idx="0">
-            <a:scrgbClr r="0" g="0" b="0"/>
-          </a:lnRef>
-          <a:fillRef idx="0">
-            <a:scrgbClr r="0" g="0" b="0"/>
-          </a:fillRef>
-          <a:effectRef idx="0">
-            <a:scrgbClr r="0" g="0" b="0"/>
-          </a:effectRef>
-          <a:fontRef idx="minor"/>
-        </p:style>
-        <p:txBody>
-          <a:bodyPr lIns="90000" tIns="91440" rIns="90000" bIns="91440" anchor="ctr">
-            <a:noAutofit/>
-          </a:bodyPr>
-          <a:lstStyle/>
-          <a:p>
-            <a:pPr>
-              <a:lnSpc>
-                <a:spcPct val="100000"/>
-              </a:lnSpc>
-              <a:tabLst>
-                <a:tab pos="0" algn="l"/>
-              </a:tabLst>
-            </a:pPr>
-            <a:r>
-              <a:rPr lang="es" sz="4400" b="0" strike="noStrike" spc="-1">
-                <a:solidFill>
-                  <a:srgbClr val="000000"/>
-                </a:solidFill>
-                <a:latin typeface="Calibri"/>
-                <a:ea typeface="DejaVu Sans"/>
-              </a:rPr>
-              <a:t>Conclusiones</a:t>
-            </a:r>
-            <a:endParaRPr lang="en-US" sz="4400" b="0" strike="noStrike" spc="-1">
-              <a:latin typeface="Arial"/>
-            </a:endParaRPr>
-          </a:p>
-        </p:txBody>
-      </p:sp>
-      <p:sp>
-        <p:nvSpPr>
-          <p:cNvPr id="176" name="CustomShape 2"/>
-          <p:cNvSpPr/>
-          <p:nvPr/>
-        </p:nvSpPr>
-        <p:spPr>
-          <a:xfrm>
-            <a:off x="514440" y="1712520"/>
-            <a:ext cx="7884720" cy="3261240"/>
-          </a:xfrm>
-          <a:prstGeom prst="rect">
-            <a:avLst/>
-          </a:prstGeom>
-          <a:noFill/>
-          <a:ln>
-            <a:noFill/>
-          </a:ln>
-        </p:spPr>
-        <p:style>
-          <a:lnRef idx="0">
-            <a:scrgbClr r="0" g="0" b="0"/>
-          </a:lnRef>
-          <a:fillRef idx="0">
-            <a:scrgbClr r="0" g="0" b="0"/>
-          </a:fillRef>
-          <a:effectRef idx="0">
-            <a:scrgbClr r="0" g="0" b="0"/>
-          </a:effectRef>
-          <a:fontRef idx="minor"/>
-        </p:style>
-        <p:txBody>
-          <a:bodyPr lIns="90000" tIns="91440" rIns="90000" bIns="91440">
-            <a:noAutofit/>
-          </a:bodyPr>
-          <a:lstStyle/>
-          <a:p>
-            <a:pPr marL="457200" indent="-455040">
-              <a:lnSpc>
-                <a:spcPct val="100000"/>
-              </a:lnSpc>
-              <a:spcBef>
-                <a:spcPts val="1001"/>
-              </a:spcBef>
-              <a:buClr>
-                <a:srgbClr val="000000"/>
-              </a:buClr>
-              <a:buFont typeface="Arial"/>
-              <a:buAutoNum type="arabicPeriod"/>
-            </a:pPr>
-            <a:r>
-              <a:rPr lang="es-ES" sz="2000" b="0" strike="noStrike" spc="-1">
-                <a:solidFill>
-                  <a:srgbClr val="000000"/>
-                </a:solidFill>
-                <a:latin typeface="Calibri"/>
-                <a:ea typeface="DejaVu Sans"/>
-              </a:rPr>
-              <a:t>Se logró superar llegar al 95% de precisión </a:t>
-            </a:r>
-            <a:endParaRPr lang="en-US" sz="2000" b="0" strike="noStrike" spc="-1">
-              <a:latin typeface="Arial"/>
-            </a:endParaRPr>
-          </a:p>
-          <a:p>
-            <a:pPr marL="457200" indent="-455040">
-              <a:lnSpc>
-                <a:spcPct val="100000"/>
-              </a:lnSpc>
-              <a:spcBef>
-                <a:spcPts val="1001"/>
-              </a:spcBef>
-              <a:buClr>
-                <a:srgbClr val="000000"/>
-              </a:buClr>
-              <a:buFont typeface="Arial"/>
-              <a:buAutoNum type="arabicPeriod"/>
-            </a:pPr>
-            <a:r>
-              <a:rPr lang="es-ES" sz="2000" b="0" strike="noStrike" spc="-1">
-                <a:solidFill>
-                  <a:srgbClr val="000000"/>
-                </a:solidFill>
-                <a:latin typeface="Calibri"/>
-                <a:ea typeface="DejaVu Sans"/>
-              </a:rPr>
-              <a:t>Se demostró que un modelo con Random Forest tiene un alto grado de overfitting en contraposición a una red neuronal</a:t>
-            </a:r>
-            <a:endParaRPr lang="en-US" sz="2000" b="0" strike="noStrike" spc="-1">
-              <a:latin typeface="Arial"/>
-            </a:endParaRPr>
-          </a:p>
-          <a:p>
-            <a:pPr marL="457200" indent="-455040">
-              <a:lnSpc>
-                <a:spcPct val="100000"/>
-              </a:lnSpc>
-              <a:spcBef>
-                <a:spcPts val="1001"/>
-              </a:spcBef>
-              <a:buClr>
-                <a:srgbClr val="000000"/>
-              </a:buClr>
-              <a:buFont typeface="Arial"/>
-              <a:buAutoNum type="arabicPeriod"/>
-            </a:pPr>
-            <a:r>
-              <a:rPr lang="es-ES" sz="2000" b="0" strike="noStrike" spc="-1">
-                <a:solidFill>
-                  <a:srgbClr val="000000"/>
-                </a:solidFill>
-                <a:latin typeface="Calibri"/>
-                <a:ea typeface="DejaVu Sans"/>
-              </a:rPr>
-              <a:t>La importancia de procesar la data en el modelo de predicción</a:t>
-            </a:r>
-            <a:endParaRPr lang="en-US" sz="2000" b="0" strike="noStrike" spc="-1">
-              <a:latin typeface="Arial"/>
-            </a:endParaRPr>
-          </a:p>
-          <a:p>
-            <a:pPr marL="457200" indent="-455040">
-              <a:lnSpc>
-                <a:spcPct val="100000"/>
-              </a:lnSpc>
-              <a:spcBef>
-                <a:spcPts val="1001"/>
-              </a:spcBef>
-              <a:buClr>
-                <a:srgbClr val="000000"/>
-              </a:buClr>
-              <a:buFont typeface="Arial"/>
-              <a:buAutoNum type="arabicPeriod"/>
-            </a:pPr>
-            <a:r>
-              <a:rPr lang="es-ES" sz="2000" b="0" strike="noStrike" spc="-1">
-                <a:solidFill>
-                  <a:srgbClr val="000000"/>
-                </a:solidFill>
-                <a:latin typeface="Calibri"/>
-                <a:ea typeface="DejaVu Sans"/>
-              </a:rPr>
-              <a:t>Escoger los valores correctos de hiper parámetros de un modelo de red Neuronal infieren en la precisión de la predicción.</a:t>
-            </a:r>
-            <a:endParaRPr lang="en-US" sz="2000" b="0" strike="noStrike" spc="-1">
-              <a:latin typeface="Arial"/>
-            </a:endParaRPr>
-          </a:p>
-        </p:txBody>
-      </p:sp>
-    </p:spTree>
-  </p:cSld>
-  <p:clrMapOvr>
-    <a:masterClrMapping/>
-  </p:clrMapOvr>
-</p:sld>
-</file>
-
-<file path=ppt/slides/slide6.xml><?xml version="1.0" encoding="utf-8"?>
-<p:sld xmlns:a="http://schemas.openxmlformats.org/drawingml/2006/main" xmlns:r="http://schemas.openxmlformats.org/officeDocument/2006/relationships" xmlns:p="http://schemas.openxmlformats.org/presentationml/2006/main">
-  <p:cSld>
-    <p:spTree>
-      <p:nvGrpSpPr>
-        <p:cNvPr id="1" name=""/>
-        <p:cNvGrpSpPr/>
-        <p:nvPr/>
-      </p:nvGrpSpPr>
-      <p:grpSpPr>
-        <a:xfrm>
-          <a:off x="0" y="0"/>
-          <a:ext cx="0" cy="0"/>
-          <a:chOff x="0" y="0"/>
-          <a:chExt cx="0" cy="0"/>
-        </a:xfrm>
-      </p:grpSpPr>
-      <p:sp>
-        <p:nvSpPr>
-          <p:cNvPr id="177" name="CustomShape 1"/>
-          <p:cNvSpPr/>
-          <p:nvPr/>
-        </p:nvSpPr>
-        <p:spPr>
-          <a:xfrm>
-            <a:off x="486360" y="2347560"/>
-            <a:ext cx="7884720" cy="992160"/>
-          </a:xfrm>
-          <a:prstGeom prst="rect">
-            <a:avLst/>
-          </a:prstGeom>
-          <a:noFill/>
-          <a:ln>
-            <a:noFill/>
-          </a:ln>
-        </p:spPr>
-        <p:style>
-          <a:lnRef idx="0">
-            <a:scrgbClr r="0" g="0" b="0"/>
-          </a:lnRef>
-          <a:fillRef idx="0">
-            <a:scrgbClr r="0" g="0" b="0"/>
-          </a:fillRef>
-          <a:effectRef idx="0">
-            <a:scrgbClr r="0" g="0" b="0"/>
-          </a:effectRef>
-          <a:fontRef idx="minor"/>
-        </p:style>
-        <p:txBody>
-          <a:bodyPr lIns="90000" tIns="91440" rIns="90000" bIns="91440" anchor="ctr">
-            <a:noAutofit/>
-          </a:bodyPr>
-          <a:lstStyle/>
-          <a:p>
-            <a:pPr algn="ctr">
-              <a:lnSpc>
-                <a:spcPct val="100000"/>
-              </a:lnSpc>
-              <a:tabLst>
-                <a:tab pos="0" algn="l"/>
-              </a:tabLst>
-            </a:pPr>
-            <a:r>
-              <a:rPr lang="es" sz="7200" b="0" strike="noStrike" spc="-1">
-                <a:solidFill>
-                  <a:srgbClr val="000000"/>
-                </a:solidFill>
-                <a:latin typeface="Calibri"/>
-                <a:ea typeface="DejaVu Sans"/>
-              </a:rPr>
-              <a:t>Gracias!</a:t>
-            </a:r>
-            <a:endParaRPr lang="en-US" sz="7200" b="0" strike="noStrike" spc="-1">
-              <a:latin typeface="Arial"/>
-            </a:endParaRPr>
-          </a:p>
-        </p:txBody>
-      </p:sp>
     </p:spTree>
   </p:cSld>
   <p:clrMapOvr>
